--- a/CT Determinant.pptx
+++ b/CT Determinant.pptx
@@ -297,7 +297,8 @@
           <a:p>
             <a:fld id="{509E0705-89C5-4E8C-9876-AE8D3188828C}" type="datetimeFigureOut">
               <a:rPr lang="ru-RU" smtClean="0"/>
-              <a:t>28.05.2025</a:t>
+              <a:pPr/>
+              <a:t>29.05.2025</a:t>
             </a:fld>
             <a:endParaRPr lang="ru-RU"/>
           </a:p>
@@ -339,6 +340,7 @@
           <a:p>
             <a:fld id="{1F02005D-FC40-48BD-AF7F-97DC97B1F0FB}" type="slidenum">
               <a:rPr lang="ru-RU" smtClean="0"/>
+              <a:pPr/>
               <a:t>‹#›</a:t>
             </a:fld>
             <a:endParaRPr lang="ru-RU"/>
@@ -462,7 +464,8 @@
           <a:p>
             <a:fld id="{509E0705-89C5-4E8C-9876-AE8D3188828C}" type="datetimeFigureOut">
               <a:rPr lang="ru-RU" smtClean="0"/>
-              <a:t>28.05.2025</a:t>
+              <a:pPr/>
+              <a:t>29.05.2025</a:t>
             </a:fld>
             <a:endParaRPr lang="ru-RU"/>
           </a:p>
@@ -504,6 +507,7 @@
           <a:p>
             <a:fld id="{1F02005D-FC40-48BD-AF7F-97DC97B1F0FB}" type="slidenum">
               <a:rPr lang="ru-RU" smtClean="0"/>
+              <a:pPr/>
               <a:t>‹#›</a:t>
             </a:fld>
             <a:endParaRPr lang="ru-RU"/>
@@ -637,7 +641,8 @@
           <a:p>
             <a:fld id="{509E0705-89C5-4E8C-9876-AE8D3188828C}" type="datetimeFigureOut">
               <a:rPr lang="ru-RU" smtClean="0"/>
-              <a:t>28.05.2025</a:t>
+              <a:pPr/>
+              <a:t>29.05.2025</a:t>
             </a:fld>
             <a:endParaRPr lang="ru-RU"/>
           </a:p>
@@ -679,6 +684,7 @@
           <a:p>
             <a:fld id="{1F02005D-FC40-48BD-AF7F-97DC97B1F0FB}" type="slidenum">
               <a:rPr lang="ru-RU" smtClean="0"/>
+              <a:pPr/>
               <a:t>‹#›</a:t>
             </a:fld>
             <a:endParaRPr lang="ru-RU"/>
@@ -802,7 +808,8 @@
           <a:p>
             <a:fld id="{509E0705-89C5-4E8C-9876-AE8D3188828C}" type="datetimeFigureOut">
               <a:rPr lang="ru-RU" smtClean="0"/>
-              <a:t>28.05.2025</a:t>
+              <a:pPr/>
+              <a:t>29.05.2025</a:t>
             </a:fld>
             <a:endParaRPr lang="ru-RU"/>
           </a:p>
@@ -844,6 +851,7 @@
           <a:p>
             <a:fld id="{1F02005D-FC40-48BD-AF7F-97DC97B1F0FB}" type="slidenum">
               <a:rPr lang="ru-RU" smtClean="0"/>
+              <a:pPr/>
               <a:t>‹#›</a:t>
             </a:fld>
             <a:endParaRPr lang="ru-RU"/>
@@ -1043,7 +1051,8 @@
           <a:p>
             <a:fld id="{509E0705-89C5-4E8C-9876-AE8D3188828C}" type="datetimeFigureOut">
               <a:rPr lang="ru-RU" smtClean="0"/>
-              <a:t>28.05.2025</a:t>
+              <a:pPr/>
+              <a:t>29.05.2025</a:t>
             </a:fld>
             <a:endParaRPr lang="ru-RU"/>
           </a:p>
@@ -1085,6 +1094,7 @@
           <a:p>
             <a:fld id="{1F02005D-FC40-48BD-AF7F-97DC97B1F0FB}" type="slidenum">
               <a:rPr lang="ru-RU" smtClean="0"/>
+              <a:pPr/>
               <a:t>‹#›</a:t>
             </a:fld>
             <a:endParaRPr lang="ru-RU"/>
@@ -1326,7 +1336,8 @@
           <a:p>
             <a:fld id="{509E0705-89C5-4E8C-9876-AE8D3188828C}" type="datetimeFigureOut">
               <a:rPr lang="ru-RU" smtClean="0"/>
-              <a:t>28.05.2025</a:t>
+              <a:pPr/>
+              <a:t>29.05.2025</a:t>
             </a:fld>
             <a:endParaRPr lang="ru-RU"/>
           </a:p>
@@ -1368,6 +1379,7 @@
           <a:p>
             <a:fld id="{1F02005D-FC40-48BD-AF7F-97DC97B1F0FB}" type="slidenum">
               <a:rPr lang="ru-RU" smtClean="0"/>
+              <a:pPr/>
               <a:t>‹#›</a:t>
             </a:fld>
             <a:endParaRPr lang="ru-RU"/>
@@ -1743,7 +1755,8 @@
           <a:p>
             <a:fld id="{509E0705-89C5-4E8C-9876-AE8D3188828C}" type="datetimeFigureOut">
               <a:rPr lang="ru-RU" smtClean="0"/>
-              <a:t>28.05.2025</a:t>
+              <a:pPr/>
+              <a:t>29.05.2025</a:t>
             </a:fld>
             <a:endParaRPr lang="ru-RU"/>
           </a:p>
@@ -1785,6 +1798,7 @@
           <a:p>
             <a:fld id="{1F02005D-FC40-48BD-AF7F-97DC97B1F0FB}" type="slidenum">
               <a:rPr lang="ru-RU" smtClean="0"/>
+              <a:pPr/>
               <a:t>‹#›</a:t>
             </a:fld>
             <a:endParaRPr lang="ru-RU"/>
@@ -1856,7 +1870,8 @@
           <a:p>
             <a:fld id="{509E0705-89C5-4E8C-9876-AE8D3188828C}" type="datetimeFigureOut">
               <a:rPr lang="ru-RU" smtClean="0"/>
-              <a:t>28.05.2025</a:t>
+              <a:pPr/>
+              <a:t>29.05.2025</a:t>
             </a:fld>
             <a:endParaRPr lang="ru-RU"/>
           </a:p>
@@ -1898,6 +1913,7 @@
           <a:p>
             <a:fld id="{1F02005D-FC40-48BD-AF7F-97DC97B1F0FB}" type="slidenum">
               <a:rPr lang="ru-RU" smtClean="0"/>
+              <a:pPr/>
               <a:t>‹#›</a:t>
             </a:fld>
             <a:endParaRPr lang="ru-RU"/>
@@ -1946,7 +1962,8 @@
           <a:p>
             <a:fld id="{509E0705-89C5-4E8C-9876-AE8D3188828C}" type="datetimeFigureOut">
               <a:rPr lang="ru-RU" smtClean="0"/>
-              <a:t>28.05.2025</a:t>
+              <a:pPr/>
+              <a:t>29.05.2025</a:t>
             </a:fld>
             <a:endParaRPr lang="ru-RU"/>
           </a:p>
@@ -1988,6 +2005,7 @@
           <a:p>
             <a:fld id="{1F02005D-FC40-48BD-AF7F-97DC97B1F0FB}" type="slidenum">
               <a:rPr lang="ru-RU" smtClean="0"/>
+              <a:pPr/>
               <a:t>‹#›</a:t>
             </a:fld>
             <a:endParaRPr lang="ru-RU"/>
@@ -2218,7 +2236,8 @@
           <a:p>
             <a:fld id="{509E0705-89C5-4E8C-9876-AE8D3188828C}" type="datetimeFigureOut">
               <a:rPr lang="ru-RU" smtClean="0"/>
-              <a:t>28.05.2025</a:t>
+              <a:pPr/>
+              <a:t>29.05.2025</a:t>
             </a:fld>
             <a:endParaRPr lang="ru-RU"/>
           </a:p>
@@ -2260,6 +2279,7 @@
           <a:p>
             <a:fld id="{1F02005D-FC40-48BD-AF7F-97DC97B1F0FB}" type="slidenum">
               <a:rPr lang="ru-RU" smtClean="0"/>
+              <a:pPr/>
               <a:t>‹#›</a:t>
             </a:fld>
             <a:endParaRPr lang="ru-RU"/>
@@ -2466,7 +2486,8 @@
           <a:p>
             <a:fld id="{509E0705-89C5-4E8C-9876-AE8D3188828C}" type="datetimeFigureOut">
               <a:rPr lang="ru-RU" smtClean="0"/>
-              <a:t>28.05.2025</a:t>
+              <a:pPr/>
+              <a:t>29.05.2025</a:t>
             </a:fld>
             <a:endParaRPr lang="ru-RU"/>
           </a:p>
@@ -2508,6 +2529,7 @@
           <a:p>
             <a:fld id="{1F02005D-FC40-48BD-AF7F-97DC97B1F0FB}" type="slidenum">
               <a:rPr lang="ru-RU" smtClean="0"/>
+              <a:pPr/>
               <a:t>‹#›</a:t>
             </a:fld>
             <a:endParaRPr lang="ru-RU"/>
@@ -2674,7 +2696,8 @@
           <a:p>
             <a:fld id="{509E0705-89C5-4E8C-9876-AE8D3188828C}" type="datetimeFigureOut">
               <a:rPr lang="ru-RU" smtClean="0"/>
-              <a:t>28.05.2025</a:t>
+              <a:pPr/>
+              <a:t>29.05.2025</a:t>
             </a:fld>
             <a:endParaRPr lang="ru-RU"/>
           </a:p>
@@ -2752,6 +2775,7 @@
           <a:p>
             <a:fld id="{1F02005D-FC40-48BD-AF7F-97DC97B1F0FB}" type="slidenum">
               <a:rPr lang="ru-RU" smtClean="0"/>
+              <a:pPr/>
               <a:t>‹#›</a:t>
             </a:fld>
             <a:endParaRPr lang="ru-RU"/>
@@ -3614,9 +3638,57 @@
         </p:blipFill>
         <p:spPr>
           <a:xfrm>
-            <a:off x="3553658" y="1600200"/>
+            <a:off x="755576" y="1423317"/>
             <a:ext cx="2036683" cy="4525963"/>
           </a:xfrm>
+        </p:spPr>
+      </p:pic>
+      <p:pic>
+        <p:nvPicPr>
+          <p:cNvPr id="5" name="Рисунок 4" descr="photo_2025-05-29_08-08-10.jpg"/>
+          <p:cNvPicPr>
+            <a:picLocks noChangeAspect="1"/>
+          </p:cNvPicPr>
+          <p:nvPr/>
+        </p:nvPicPr>
+        <p:blipFill>
+          <a:blip r:embed="rId3" cstate="print"/>
+          <a:stretch>
+            <a:fillRect/>
+          </a:stretch>
+        </p:blipFill>
+        <p:spPr>
+          <a:xfrm>
+            <a:off x="3538685" y="1412776"/>
+            <a:ext cx="2041427" cy="4536504"/>
+          </a:xfrm>
+          <a:prstGeom prst="rect">
+            <a:avLst/>
+          </a:prstGeom>
+        </p:spPr>
+      </p:pic>
+      <p:pic>
+        <p:nvPicPr>
+          <p:cNvPr id="6" name="Рисунок 5" descr="photo_2025-05-29_08-08-08.jpg"/>
+          <p:cNvPicPr>
+            <a:picLocks noChangeAspect="1"/>
+          </p:cNvPicPr>
+          <p:nvPr/>
+        </p:nvPicPr>
+        <p:blipFill>
+          <a:blip r:embed="rId4" cstate="print"/>
+          <a:stretch>
+            <a:fillRect/>
+          </a:stretch>
+        </p:blipFill>
+        <p:spPr>
+          <a:xfrm>
+            <a:off x="6444209" y="1484784"/>
+            <a:ext cx="2041426" cy="4536504"/>
+          </a:xfrm>
+          <a:prstGeom prst="rect">
+            <a:avLst/>
+          </a:prstGeom>
         </p:spPr>
       </p:pic>
     </p:spTree>
